--- a/avl-дерево/AVL-деревья.pptx
+++ b/avl-дерево/AVL-деревья.pptx
@@ -130,6 +130,11 @@
       </a:defRPr>
     </a:lvl9pPr>
   </p:defaultTextStyle>
+  <p:extLst>
+    <p:ext uri="{EFAFB233-063F-42B5-8137-9DF3F51BA10A}">
+      <p15:sldGuideLst xmlns:p15="http://schemas.microsoft.com/office/powerpoint/2012/main"/>
+    </p:ext>
+  </p:extLst>
 </p:presentation>
 </file>
 
@@ -3027,6 +3032,13 @@
   <p:clrMapOvr>
     <a:masterClrMapping/>
   </p:clrMapOvr>
+  <p:timing>
+    <p:tnLst>
+      <p:par>
+        <p:cTn id="1" dur="indefinite" restart="never" nodeType="tmRoot"/>
+      </p:par>
+    </p:tnLst>
+  </p:timing>
 </p:sld>
 </file>
 
@@ -3467,6 +3479,13 @@
   <p:clrMapOvr>
     <a:masterClrMapping/>
   </p:clrMapOvr>
+  <p:timing>
+    <p:tnLst>
+      <p:par>
+        <p:cTn id="1" dur="indefinite" restart="never" nodeType="tmRoot"/>
+      </p:par>
+    </p:tnLst>
+  </p:timing>
 </p:sld>
 </file>
 
@@ -3947,6 +3966,13 @@
   <p:clrMapOvr>
     <a:masterClrMapping/>
   </p:clrMapOvr>
+  <p:timing>
+    <p:tnLst>
+      <p:par>
+        <p:cTn id="1" dur="indefinite" restart="never" nodeType="tmRoot"/>
+      </p:par>
+    </p:tnLst>
+  </p:timing>
 </p:sld>
 </file>
 
@@ -4037,6 +4063,13 @@
   <p:clrMapOvr>
     <a:masterClrMapping/>
   </p:clrMapOvr>
+  <p:timing>
+    <p:tnLst>
+      <p:par>
+        <p:cTn id="1" dur="indefinite" restart="never" nodeType="tmRoot"/>
+      </p:par>
+    </p:tnLst>
+  </p:timing>
 </p:sld>
 </file>
 
@@ -4169,6 +4202,13 @@
   <p:clrMapOvr>
     <a:masterClrMapping/>
   </p:clrMapOvr>
+  <p:timing>
+    <p:tnLst>
+      <p:par>
+        <p:cTn id="1" dur="indefinite" restart="never" nodeType="tmRoot"/>
+      </p:par>
+    </p:tnLst>
+  </p:timing>
 </p:sld>
 </file>
 
@@ -4379,6 +4419,13 @@
   <p:clrMapOvr>
     <a:masterClrMapping/>
   </p:clrMapOvr>
+  <p:timing>
+    <p:tnLst>
+      <p:par>
+        <p:cTn id="1" dur="indefinite" restart="never" nodeType="tmRoot"/>
+      </p:par>
+    </p:tnLst>
+  </p:timing>
 </p:sld>
 </file>
 
@@ -4664,6 +4711,13 @@
   <p:clrMapOvr>
     <a:masterClrMapping/>
   </p:clrMapOvr>
+  <p:timing>
+    <p:tnLst>
+      <p:par>
+        <p:cTn id="1" dur="indefinite" restart="never" nodeType="tmRoot"/>
+      </p:par>
+    </p:tnLst>
+  </p:timing>
 </p:sld>
 </file>
 
@@ -5028,6 +5082,13 @@
   <p:clrMapOvr>
     <a:masterClrMapping/>
   </p:clrMapOvr>
+  <p:timing>
+    <p:tnLst>
+      <p:par>
+        <p:cTn id="1" dur="indefinite" restart="never" nodeType="tmRoot"/>
+      </p:par>
+    </p:tnLst>
+  </p:timing>
 </p:sld>
 </file>
 
@@ -5469,6 +5530,13 @@
   <p:clrMapOvr>
     <a:masterClrMapping/>
   </p:clrMapOvr>
+  <p:timing>
+    <p:tnLst>
+      <p:par>
+        <p:cTn id="1" dur="indefinite" restart="never" nodeType="tmRoot"/>
+      </p:par>
+    </p:tnLst>
+  </p:timing>
 </p:sld>
 </file>
 
@@ -5954,6 +6022,13 @@
   <p:clrMapOvr>
     <a:masterClrMapping/>
   </p:clrMapOvr>
+  <p:timing>
+    <p:tnLst>
+      <p:par>
+        <p:cTn id="1" dur="indefinite" restart="never" nodeType="tmRoot"/>
+      </p:par>
+    </p:tnLst>
+  </p:timing>
 </p:sld>
 </file>
 
@@ -6085,6 +6160,13 @@
   <p:clrMapOvr>
     <a:masterClrMapping/>
   </p:clrMapOvr>
+  <p:timing>
+    <p:tnLst>
+      <p:par>
+        <p:cTn id="1" dur="indefinite" restart="never" nodeType="tmRoot"/>
+      </p:par>
+    </p:tnLst>
+  </p:timing>
 </p:sld>
 </file>
 
@@ -6164,6 +6246,13 @@
   <p:clrMapOvr>
     <a:masterClrMapping/>
   </p:clrMapOvr>
+  <p:timing>
+    <p:tnLst>
+      <p:par>
+        <p:cTn id="1" dur="indefinite" restart="never" nodeType="tmRoot"/>
+      </p:par>
+    </p:tnLst>
+  </p:timing>
 </p:sld>
 </file>
 
@@ -7022,6 +7111,13 @@
   <p:clrMapOvr>
     <a:masterClrMapping/>
   </p:clrMapOvr>
+  <p:timing>
+    <p:tnLst>
+      <p:par>
+        <p:cTn id="1" dur="indefinite" restart="never" nodeType="tmRoot"/>
+      </p:par>
+    </p:tnLst>
+  </p:timing>
 </p:sld>
 </file>
 
@@ -7124,6 +7220,13 @@
   <p:clrMapOvr>
     <a:masterClrMapping/>
   </p:clrMapOvr>
+  <p:timing>
+    <p:tnLst>
+      <p:par>
+        <p:cTn id="1" dur="indefinite" restart="never" nodeType="tmRoot"/>
+      </p:par>
+    </p:tnLst>
+  </p:timing>
 </p:sld>
 </file>
 
@@ -7235,7 +7338,6 @@
               <a:rPr lang="ru-RU" dirty="0" smtClean="0"/>
               <a:t> дерево</a:t>
             </a:r>
-            <a:endParaRPr lang="ru-RU" dirty="0" smtClean="0"/>
           </a:p>
         </p:txBody>
       </p:sp>
@@ -7249,6 +7351,13 @@
   <p:clrMapOvr>
     <a:masterClrMapping/>
   </p:clrMapOvr>
+  <p:timing>
+    <p:tnLst>
+      <p:par>
+        <p:cTn id="1" dur="indefinite" restart="never" nodeType="tmRoot"/>
+      </p:par>
+    </p:tnLst>
+  </p:timing>
 </p:sld>
 </file>
 
@@ -7420,6 +7529,13 @@
   <p:clrMapOvr>
     <a:masterClrMapping/>
   </p:clrMapOvr>
+  <p:timing>
+    <p:tnLst>
+      <p:par>
+        <p:cTn id="1" dur="indefinite" restart="never" nodeType="tmRoot"/>
+      </p:par>
+    </p:tnLst>
+  </p:timing>
 </p:sld>
 </file>
 
@@ -7531,7 +7647,11 @@
             </a:pPr>
             <a:r>
               <a:rPr lang="en-US" dirty="0" smtClean="0"/>
-              <a:t>h(b)-h(R)=2, h(C)&gt;=h(R)</a:t>
+              <a:t>h(b)-h(R)=2, h(C)&gt;=</a:t>
+            </a:r>
+            <a:r>
+              <a:rPr lang="en-US" dirty="0" smtClean="0"/>
+              <a:t>h(L)</a:t>
             </a:r>
             <a:endParaRPr lang="ru-RU" dirty="0" smtClean="0"/>
           </a:p>
@@ -9101,6 +9221,13 @@
   <p:clrMapOvr>
     <a:masterClrMapping/>
   </p:clrMapOvr>
+  <p:timing>
+    <p:tnLst>
+      <p:par>
+        <p:cTn id="1" dur="indefinite" restart="never" nodeType="tmRoot"/>
+      </p:par>
+    </p:tnLst>
+  </p:timing>
 </p:sld>
 </file>
 
@@ -9212,7 +9339,11 @@
             </a:pPr>
             <a:r>
               <a:rPr lang="en-US" dirty="0" smtClean="0"/>
-              <a:t>h(b)-h(R)=2, h(C)&gt;h(R)</a:t>
+              <a:t>h(b)-h(R)=2, h(C)&gt;</a:t>
+            </a:r>
+            <a:r>
+              <a:rPr lang="en-US" dirty="0" smtClean="0"/>
+              <a:t>h(L)</a:t>
             </a:r>
             <a:endParaRPr lang="ru-RU" dirty="0" smtClean="0"/>
           </a:p>
@@ -10202,7 +10333,7 @@
             <a:pPr algn="ctr"/>
             <a:r>
               <a:rPr lang="en-US" dirty="0"/>
-              <a:t>L</a:t>
+              <a:t>N</a:t>
             </a:r>
             <a:endParaRPr lang="ru-RU" dirty="0"/>
           </a:p>
@@ -11255,10 +11386,9 @@
           <a:p>
             <a:pPr algn="ctr"/>
             <a:r>
-              <a:rPr lang="en-US" dirty="0"/>
-              <a:t>L</a:t>
-            </a:r>
-            <a:endParaRPr lang="ru-RU" dirty="0"/>
+              <a:rPr lang="en-US" dirty="0" smtClean="0"/>
+              <a:t>N</a:t>
+            </a:r>
           </a:p>
         </p:txBody>
       </p:sp>
@@ -11431,6 +11561,13 @@
   <p:clrMapOvr>
     <a:masterClrMapping/>
   </p:clrMapOvr>
+  <p:timing>
+    <p:tnLst>
+      <p:par>
+        <p:cTn id="1" dur="indefinite" restart="never" nodeType="tmRoot"/>
+      </p:par>
+    </p:tnLst>
+  </p:timing>
 </p:sld>
 </file>
 
@@ -11545,6 +11682,13 @@
   <p:clrMapOvr>
     <a:masterClrMapping/>
   </p:clrMapOvr>
+  <p:timing>
+    <p:tnLst>
+      <p:par>
+        <p:cTn id="1" dur="indefinite" restart="never" nodeType="tmRoot"/>
+      </p:par>
+    </p:tnLst>
+  </p:timing>
 </p:sld>
 </file>
 
@@ -11631,6 +11775,13 @@
   <p:clrMapOvr>
     <a:masterClrMapping/>
   </p:clrMapOvr>
+  <p:timing>
+    <p:tnLst>
+      <p:par>
+        <p:cTn id="1" dur="indefinite" restart="never" nodeType="tmRoot"/>
+      </p:par>
+    </p:tnLst>
+  </p:timing>
 </p:sld>
 </file>
 
@@ -11735,6 +11886,13 @@
   <p:clrMapOvr>
     <a:masterClrMapping/>
   </p:clrMapOvr>
+  <p:timing>
+    <p:tnLst>
+      <p:par>
+        <p:cTn id="1" dur="indefinite" restart="never" nodeType="tmRoot"/>
+      </p:par>
+    </p:tnLst>
+  </p:timing>
 </p:sld>
 </file>
 
@@ -11844,6 +12002,13 @@
   <p:clrMapOvr>
     <a:masterClrMapping/>
   </p:clrMapOvr>
+  <p:timing>
+    <p:tnLst>
+      <p:par>
+        <p:cTn id="1" dur="indefinite" restart="never" nodeType="tmRoot"/>
+      </p:par>
+    </p:tnLst>
+  </p:timing>
 </p:sld>
 </file>
 
@@ -11930,6 +12095,13 @@
   <p:clrMapOvr>
     <a:masterClrMapping/>
   </p:clrMapOvr>
+  <p:timing>
+    <p:tnLst>
+      <p:par>
+        <p:cTn id="1" dur="indefinite" restart="never" nodeType="tmRoot"/>
+      </p:par>
+    </p:tnLst>
+  </p:timing>
 </p:sld>
 </file>
 
@@ -12058,6 +12230,13 @@
   <p:clrMapOvr>
     <a:masterClrMapping/>
   </p:clrMapOvr>
+  <p:timing>
+    <p:tnLst>
+      <p:par>
+        <p:cTn id="1" dur="indefinite" restart="never" nodeType="tmRoot"/>
+      </p:par>
+    </p:tnLst>
+  </p:timing>
 </p:sld>
 </file>
 
@@ -12264,6 +12443,13 @@
   <p:clrMapOvr>
     <a:masterClrMapping/>
   </p:clrMapOvr>
+  <p:timing>
+    <p:tnLst>
+      <p:par>
+        <p:cTn id="1" dur="indefinite" restart="never" nodeType="tmRoot"/>
+      </p:par>
+    </p:tnLst>
+  </p:timing>
 </p:sld>
 </file>
 
@@ -12548,6 +12734,13 @@
   <p:clrMapOvr>
     <a:masterClrMapping/>
   </p:clrMapOvr>
+  <p:timing>
+    <p:tnLst>
+      <p:par>
+        <p:cTn id="1" dur="indefinite" restart="never" nodeType="tmRoot"/>
+      </p:par>
+    </p:tnLst>
+  </p:timing>
 </p:sld>
 </file>
 
@@ -12910,6 +13103,13 @@
   <p:clrMapOvr>
     <a:masterClrMapping/>
   </p:clrMapOvr>
+  <p:timing>
+    <p:tnLst>
+      <p:par>
+        <p:cTn id="1" dur="indefinite" restart="never" nodeType="tmRoot"/>
+      </p:par>
+    </p:tnLst>
+  </p:timing>
 </p:sld>
 </file>
 

--- a/avl-дерево/AVL-деревья.pptx
+++ b/avl-дерево/AVL-деревья.pptx
@@ -7647,11 +7647,23 @@
             </a:pPr>
             <a:r>
               <a:rPr lang="en-US" dirty="0" smtClean="0"/>
-              <a:t>h(b)-h(R)=2, h(C)&gt;=</a:t>
+              <a:t>h(b)-h(R)=2, </a:t>
             </a:r>
             <a:r>
               <a:rPr lang="en-US" dirty="0" smtClean="0"/>
-              <a:t>h(L)</a:t>
+              <a:t>h(C)</a:t>
+            </a:r>
+            <a:r>
+              <a:rPr lang="en-US" dirty="0"/>
+              <a:t>&lt;</a:t>
+            </a:r>
+            <a:r>
+              <a:rPr lang="en-US" dirty="0" smtClean="0"/>
+              <a:t>=h(L</a:t>
+            </a:r>
+            <a:r>
+              <a:rPr lang="en-US" dirty="0" smtClean="0"/>
+              <a:t>)</a:t>
             </a:r>
             <a:endParaRPr lang="ru-RU" dirty="0" smtClean="0"/>
           </a:p>
@@ -9339,11 +9351,7 @@
             </a:pPr>
             <a:r>
               <a:rPr lang="en-US" dirty="0" smtClean="0"/>
-              <a:t>h(b)-h(R)=2, h(C)&gt;</a:t>
-            </a:r>
-            <a:r>
-              <a:rPr lang="en-US" dirty="0" smtClean="0"/>
-              <a:t>h(L)</a:t>
+              <a:t>h(b)-h(R)=2, h(C)&gt;h(L)</a:t>
             </a:r>
             <a:endParaRPr lang="ru-RU" dirty="0" smtClean="0"/>
           </a:p>
